--- a/ppt 16-9/0859.为主而活.pptx
+++ b/ppt 16-9/0859.为主而活.pptx
@@ -5,7 +5,7 @@
     <p:sldMasterId id="2147483648" r:id="rId1"/>
   </p:sldMasterIdLst>
   <p:sldIdLst>
-    <p:sldId id="2163" r:id="rId2"/>
+    <p:sldId id="2165" r:id="rId2"/>
   </p:sldIdLst>
   <p:sldSz cx="12192000" cy="6858000"/>
   <p:notesSz cx="6858000" cy="9144000"/>
@@ -129,7 +129,7 @@
           <p:cNvPr id="2" name="标题 1">
             <a:extLst>
               <a:ext uri="{FF2B5EF4-FFF2-40B4-BE49-F238E27FC236}">
-                <a16:creationId xmlns:a16="http://schemas.microsoft.com/office/drawing/2014/main" id="{6F9041B5-6E29-7384-9256-A0EE0092C568}"/>
+                <a16:creationId xmlns:a16="http://schemas.microsoft.com/office/drawing/2014/main" id="{BC8EDEB4-E15D-508C-63E1-709C924CF870}"/>
               </a:ext>
             </a:extLst>
           </p:cNvPr>
@@ -166,7 +166,7 @@
           <p:cNvPr id="3" name="副标题 2">
             <a:extLst>
               <a:ext uri="{FF2B5EF4-FFF2-40B4-BE49-F238E27FC236}">
-                <a16:creationId xmlns:a16="http://schemas.microsoft.com/office/drawing/2014/main" id="{DC12D40B-E1A9-F718-A9B3-B6B20FC7E04E}"/>
+                <a16:creationId xmlns:a16="http://schemas.microsoft.com/office/drawing/2014/main" id="{145B1395-EDCD-C3CF-5DAB-1C3143837433}"/>
               </a:ext>
             </a:extLst>
           </p:cNvPr>
@@ -236,7 +236,7 @@
           <p:cNvPr id="4" name="日期占位符 3">
             <a:extLst>
               <a:ext uri="{FF2B5EF4-FFF2-40B4-BE49-F238E27FC236}">
-                <a16:creationId xmlns:a16="http://schemas.microsoft.com/office/drawing/2014/main" id="{D8EA569F-FFA1-BFBF-4033-FE0EEDC41FA0}"/>
+                <a16:creationId xmlns:a16="http://schemas.microsoft.com/office/drawing/2014/main" id="{2FF313BE-752F-FDE9-D306-51C318852D02}"/>
               </a:ext>
             </a:extLst>
           </p:cNvPr>
@@ -252,7 +252,7 @@
           <a:bodyPr/>
           <a:lstStyle/>
           <a:p>
-            <a:fld id="{5BE3207A-B554-48A3-A584-D37BDB3424F4}" type="datetimeFigureOut">
+            <a:fld id="{755C99C4-7BF2-41DA-BAEF-EA8BF34FCD88}" type="datetimeFigureOut">
               <a:rPr lang="zh-CN" altLang="en-US" smtClean="0"/>
               <a:t>2024/3/10</a:t>
             </a:fld>
@@ -265,7 +265,7 @@
           <p:cNvPr id="5" name="页脚占位符 4">
             <a:extLst>
               <a:ext uri="{FF2B5EF4-FFF2-40B4-BE49-F238E27FC236}">
-                <a16:creationId xmlns:a16="http://schemas.microsoft.com/office/drawing/2014/main" id="{D3C7F364-15AF-7500-43BA-B1800B9C2601}"/>
+                <a16:creationId xmlns:a16="http://schemas.microsoft.com/office/drawing/2014/main" id="{56FCB142-7112-5AC3-3CBA-2EB88BDF6655}"/>
               </a:ext>
             </a:extLst>
           </p:cNvPr>
@@ -290,7 +290,7 @@
           <p:cNvPr id="6" name="灯片编号占位符 5">
             <a:extLst>
               <a:ext uri="{FF2B5EF4-FFF2-40B4-BE49-F238E27FC236}">
-                <a16:creationId xmlns:a16="http://schemas.microsoft.com/office/drawing/2014/main" id="{E1E83B0B-51A5-CCDF-38AC-00D4401A28A5}"/>
+                <a16:creationId xmlns:a16="http://schemas.microsoft.com/office/drawing/2014/main" id="{EF63CFE5-AB6E-09FC-80F4-CAD492F2D1B6}"/>
               </a:ext>
             </a:extLst>
           </p:cNvPr>
@@ -306,7 +306,7 @@
           <a:bodyPr/>
           <a:lstStyle/>
           <a:p>
-            <a:fld id="{E2673555-6E99-49EA-8F09-51E06D0D38BC}" type="slidenum">
+            <a:fld id="{46E74B32-2CB2-4B9A-B6C7-80A885BDA91F}" type="slidenum">
               <a:rPr lang="zh-CN" altLang="en-US" smtClean="0"/>
               <a:t>‹#›</a:t>
             </a:fld>
@@ -317,7 +317,7 @@
     </p:spTree>
     <p:extLst>
       <p:ext uri="{BB962C8B-B14F-4D97-AF65-F5344CB8AC3E}">
-        <p14:creationId xmlns:p14="http://schemas.microsoft.com/office/powerpoint/2010/main" val="3861689194"/>
+        <p14:creationId xmlns:p14="http://schemas.microsoft.com/office/powerpoint/2010/main" val="2275996855"/>
       </p:ext>
     </p:extLst>
   </p:cSld>
@@ -349,7 +349,7 @@
           <p:cNvPr id="2" name="标题 1">
             <a:extLst>
               <a:ext uri="{FF2B5EF4-FFF2-40B4-BE49-F238E27FC236}">
-                <a16:creationId xmlns:a16="http://schemas.microsoft.com/office/drawing/2014/main" id="{23A64959-FD79-79EB-EE6D-7FF94E043EAB}"/>
+                <a16:creationId xmlns:a16="http://schemas.microsoft.com/office/drawing/2014/main" id="{02AC9EA5-8CA1-6AC9-9BB4-6618F58A3436}"/>
               </a:ext>
             </a:extLst>
           </p:cNvPr>
@@ -377,7 +377,7 @@
           <p:cNvPr id="3" name="竖排文字占位符 2">
             <a:extLst>
               <a:ext uri="{FF2B5EF4-FFF2-40B4-BE49-F238E27FC236}">
-                <a16:creationId xmlns:a16="http://schemas.microsoft.com/office/drawing/2014/main" id="{4730335D-5232-58FA-216F-FF42136DCED0}"/>
+                <a16:creationId xmlns:a16="http://schemas.microsoft.com/office/drawing/2014/main" id="{FB5AFF4F-7442-DE16-9603-0A4044DA9B85}"/>
               </a:ext>
             </a:extLst>
           </p:cNvPr>
@@ -434,7 +434,7 @@
           <p:cNvPr id="4" name="日期占位符 3">
             <a:extLst>
               <a:ext uri="{FF2B5EF4-FFF2-40B4-BE49-F238E27FC236}">
-                <a16:creationId xmlns:a16="http://schemas.microsoft.com/office/drawing/2014/main" id="{6637AA82-8639-B86E-5E3D-D3CDF1BABEC6}"/>
+                <a16:creationId xmlns:a16="http://schemas.microsoft.com/office/drawing/2014/main" id="{B42A22AA-55F2-343F-AB81-0070F4854EEE}"/>
               </a:ext>
             </a:extLst>
           </p:cNvPr>
@@ -450,7 +450,7 @@
           <a:bodyPr/>
           <a:lstStyle/>
           <a:p>
-            <a:fld id="{5BE3207A-B554-48A3-A584-D37BDB3424F4}" type="datetimeFigureOut">
+            <a:fld id="{755C99C4-7BF2-41DA-BAEF-EA8BF34FCD88}" type="datetimeFigureOut">
               <a:rPr lang="zh-CN" altLang="en-US" smtClean="0"/>
               <a:t>2024/3/10</a:t>
             </a:fld>
@@ -463,7 +463,7 @@
           <p:cNvPr id="5" name="页脚占位符 4">
             <a:extLst>
               <a:ext uri="{FF2B5EF4-FFF2-40B4-BE49-F238E27FC236}">
-                <a16:creationId xmlns:a16="http://schemas.microsoft.com/office/drawing/2014/main" id="{29EA3065-8A33-F7A3-2926-58BF17E5BEC5}"/>
+                <a16:creationId xmlns:a16="http://schemas.microsoft.com/office/drawing/2014/main" id="{2050716B-2FC0-25DE-C1B1-90F25C116467}"/>
               </a:ext>
             </a:extLst>
           </p:cNvPr>
@@ -488,7 +488,7 @@
           <p:cNvPr id="6" name="灯片编号占位符 5">
             <a:extLst>
               <a:ext uri="{FF2B5EF4-FFF2-40B4-BE49-F238E27FC236}">
-                <a16:creationId xmlns:a16="http://schemas.microsoft.com/office/drawing/2014/main" id="{26F2CF4D-8AAD-11D1-EED0-63A6FC7BBDBC}"/>
+                <a16:creationId xmlns:a16="http://schemas.microsoft.com/office/drawing/2014/main" id="{AEC6CB20-A7FC-D541-E8F8-43F812571CAD}"/>
               </a:ext>
             </a:extLst>
           </p:cNvPr>
@@ -504,7 +504,7 @@
           <a:bodyPr/>
           <a:lstStyle/>
           <a:p>
-            <a:fld id="{E2673555-6E99-49EA-8F09-51E06D0D38BC}" type="slidenum">
+            <a:fld id="{46E74B32-2CB2-4B9A-B6C7-80A885BDA91F}" type="slidenum">
               <a:rPr lang="zh-CN" altLang="en-US" smtClean="0"/>
               <a:t>‹#›</a:t>
             </a:fld>
@@ -515,7 +515,7 @@
     </p:spTree>
     <p:extLst>
       <p:ext uri="{BB962C8B-B14F-4D97-AF65-F5344CB8AC3E}">
-        <p14:creationId xmlns:p14="http://schemas.microsoft.com/office/powerpoint/2010/main" val="2670729334"/>
+        <p14:creationId xmlns:p14="http://schemas.microsoft.com/office/powerpoint/2010/main" val="2799794958"/>
       </p:ext>
     </p:extLst>
   </p:cSld>
@@ -547,7 +547,7 @@
           <p:cNvPr id="2" name="竖排标题 1">
             <a:extLst>
               <a:ext uri="{FF2B5EF4-FFF2-40B4-BE49-F238E27FC236}">
-                <a16:creationId xmlns:a16="http://schemas.microsoft.com/office/drawing/2014/main" id="{5A91EACD-C9F5-AE83-C859-681C21A2B8C4}"/>
+                <a16:creationId xmlns:a16="http://schemas.microsoft.com/office/drawing/2014/main" id="{3AF6A74B-2E21-F3B0-5907-6449659F0E38}"/>
               </a:ext>
             </a:extLst>
           </p:cNvPr>
@@ -580,7 +580,7 @@
           <p:cNvPr id="3" name="竖排文字占位符 2">
             <a:extLst>
               <a:ext uri="{FF2B5EF4-FFF2-40B4-BE49-F238E27FC236}">
-                <a16:creationId xmlns:a16="http://schemas.microsoft.com/office/drawing/2014/main" id="{261AD332-5CCE-4073-62A0-D199B38A040E}"/>
+                <a16:creationId xmlns:a16="http://schemas.microsoft.com/office/drawing/2014/main" id="{7699C078-54DD-6ADF-4C50-B812314765A9}"/>
               </a:ext>
             </a:extLst>
           </p:cNvPr>
@@ -642,7 +642,7 @@
           <p:cNvPr id="4" name="日期占位符 3">
             <a:extLst>
               <a:ext uri="{FF2B5EF4-FFF2-40B4-BE49-F238E27FC236}">
-                <a16:creationId xmlns:a16="http://schemas.microsoft.com/office/drawing/2014/main" id="{9EBDCECD-2780-CF36-0966-05AE24E78280}"/>
+                <a16:creationId xmlns:a16="http://schemas.microsoft.com/office/drawing/2014/main" id="{7DF4246D-58C8-CC8C-2862-C0A3D1F4481B}"/>
               </a:ext>
             </a:extLst>
           </p:cNvPr>
@@ -658,7 +658,7 @@
           <a:bodyPr/>
           <a:lstStyle/>
           <a:p>
-            <a:fld id="{5BE3207A-B554-48A3-A584-D37BDB3424F4}" type="datetimeFigureOut">
+            <a:fld id="{755C99C4-7BF2-41DA-BAEF-EA8BF34FCD88}" type="datetimeFigureOut">
               <a:rPr lang="zh-CN" altLang="en-US" smtClean="0"/>
               <a:t>2024/3/10</a:t>
             </a:fld>
@@ -671,7 +671,7 @@
           <p:cNvPr id="5" name="页脚占位符 4">
             <a:extLst>
               <a:ext uri="{FF2B5EF4-FFF2-40B4-BE49-F238E27FC236}">
-                <a16:creationId xmlns:a16="http://schemas.microsoft.com/office/drawing/2014/main" id="{1E9CC8E3-F0EB-35F9-44F6-0DA14C883EB4}"/>
+                <a16:creationId xmlns:a16="http://schemas.microsoft.com/office/drawing/2014/main" id="{784221B9-41AA-B95E-CA87-6B926663D018}"/>
               </a:ext>
             </a:extLst>
           </p:cNvPr>
@@ -696,7 +696,7 @@
           <p:cNvPr id="6" name="灯片编号占位符 5">
             <a:extLst>
               <a:ext uri="{FF2B5EF4-FFF2-40B4-BE49-F238E27FC236}">
-                <a16:creationId xmlns:a16="http://schemas.microsoft.com/office/drawing/2014/main" id="{C41708C4-5CF4-26BA-6E78-8F092C6DB27D}"/>
+                <a16:creationId xmlns:a16="http://schemas.microsoft.com/office/drawing/2014/main" id="{35B349E7-2A8B-3228-AA83-9D5D28807BC9}"/>
               </a:ext>
             </a:extLst>
           </p:cNvPr>
@@ -712,7 +712,7 @@
           <a:bodyPr/>
           <a:lstStyle/>
           <a:p>
-            <a:fld id="{E2673555-6E99-49EA-8F09-51E06D0D38BC}" type="slidenum">
+            <a:fld id="{46E74B32-2CB2-4B9A-B6C7-80A885BDA91F}" type="slidenum">
               <a:rPr lang="zh-CN" altLang="en-US" smtClean="0"/>
               <a:t>‹#›</a:t>
             </a:fld>
@@ -723,7 +723,7 @@
     </p:spTree>
     <p:extLst>
       <p:ext uri="{BB962C8B-B14F-4D97-AF65-F5344CB8AC3E}">
-        <p14:creationId xmlns:p14="http://schemas.microsoft.com/office/powerpoint/2010/main" val="4189131667"/>
+        <p14:creationId xmlns:p14="http://schemas.microsoft.com/office/powerpoint/2010/main" val="2022008885"/>
       </p:ext>
     </p:extLst>
   </p:cSld>
@@ -755,7 +755,7 @@
           <p:cNvPr id="2" name="标题 1">
             <a:extLst>
               <a:ext uri="{FF2B5EF4-FFF2-40B4-BE49-F238E27FC236}">
-                <a16:creationId xmlns:a16="http://schemas.microsoft.com/office/drawing/2014/main" id="{8E42FF31-21EC-FC42-C2D1-A4FC960AA78B}"/>
+                <a16:creationId xmlns:a16="http://schemas.microsoft.com/office/drawing/2014/main" id="{594A1845-709C-6E79-B493-1E02478089AA}"/>
               </a:ext>
             </a:extLst>
           </p:cNvPr>
@@ -783,7 +783,7 @@
           <p:cNvPr id="3" name="内容占位符 2">
             <a:extLst>
               <a:ext uri="{FF2B5EF4-FFF2-40B4-BE49-F238E27FC236}">
-                <a16:creationId xmlns:a16="http://schemas.microsoft.com/office/drawing/2014/main" id="{CD7C5A7D-12A4-8FB7-111D-BEBDBA9B6F44}"/>
+                <a16:creationId xmlns:a16="http://schemas.microsoft.com/office/drawing/2014/main" id="{529120BF-8606-6A26-EC3E-FF0C3D2BBA2B}"/>
               </a:ext>
             </a:extLst>
           </p:cNvPr>
@@ -840,7 +840,7 @@
           <p:cNvPr id="4" name="日期占位符 3">
             <a:extLst>
               <a:ext uri="{FF2B5EF4-FFF2-40B4-BE49-F238E27FC236}">
-                <a16:creationId xmlns:a16="http://schemas.microsoft.com/office/drawing/2014/main" id="{6295A6D5-9450-5A3D-A470-3AB7109F1984}"/>
+                <a16:creationId xmlns:a16="http://schemas.microsoft.com/office/drawing/2014/main" id="{3D2478B3-309E-0E32-FB7D-0593D7E03828}"/>
               </a:ext>
             </a:extLst>
           </p:cNvPr>
@@ -856,7 +856,7 @@
           <a:bodyPr/>
           <a:lstStyle/>
           <a:p>
-            <a:fld id="{5BE3207A-B554-48A3-A584-D37BDB3424F4}" type="datetimeFigureOut">
+            <a:fld id="{755C99C4-7BF2-41DA-BAEF-EA8BF34FCD88}" type="datetimeFigureOut">
               <a:rPr lang="zh-CN" altLang="en-US" smtClean="0"/>
               <a:t>2024/3/10</a:t>
             </a:fld>
@@ -869,7 +869,7 @@
           <p:cNvPr id="5" name="页脚占位符 4">
             <a:extLst>
               <a:ext uri="{FF2B5EF4-FFF2-40B4-BE49-F238E27FC236}">
-                <a16:creationId xmlns:a16="http://schemas.microsoft.com/office/drawing/2014/main" id="{64D1BE1B-3CFC-C967-278C-5E7F937F14C1}"/>
+                <a16:creationId xmlns:a16="http://schemas.microsoft.com/office/drawing/2014/main" id="{803EF2EE-6B3E-3E76-33EE-D8728B7E86D7}"/>
               </a:ext>
             </a:extLst>
           </p:cNvPr>
@@ -894,7 +894,7 @@
           <p:cNvPr id="6" name="灯片编号占位符 5">
             <a:extLst>
               <a:ext uri="{FF2B5EF4-FFF2-40B4-BE49-F238E27FC236}">
-                <a16:creationId xmlns:a16="http://schemas.microsoft.com/office/drawing/2014/main" id="{9C80AB27-6D06-7A32-D968-FB477A29ECE0}"/>
+                <a16:creationId xmlns:a16="http://schemas.microsoft.com/office/drawing/2014/main" id="{3A4659E3-DB0A-D9A5-F9E7-8B2723F1D7D0}"/>
               </a:ext>
             </a:extLst>
           </p:cNvPr>
@@ -910,7 +910,7 @@
           <a:bodyPr/>
           <a:lstStyle/>
           <a:p>
-            <a:fld id="{E2673555-6E99-49EA-8F09-51E06D0D38BC}" type="slidenum">
+            <a:fld id="{46E74B32-2CB2-4B9A-B6C7-80A885BDA91F}" type="slidenum">
               <a:rPr lang="zh-CN" altLang="en-US" smtClean="0"/>
               <a:t>‹#›</a:t>
             </a:fld>
@@ -921,7 +921,7 @@
     </p:spTree>
     <p:extLst>
       <p:ext uri="{BB962C8B-B14F-4D97-AF65-F5344CB8AC3E}">
-        <p14:creationId xmlns:p14="http://schemas.microsoft.com/office/powerpoint/2010/main" val="2623866827"/>
+        <p14:creationId xmlns:p14="http://schemas.microsoft.com/office/powerpoint/2010/main" val="931040012"/>
       </p:ext>
     </p:extLst>
   </p:cSld>
@@ -953,7 +953,7 @@
           <p:cNvPr id="2" name="标题 1">
             <a:extLst>
               <a:ext uri="{FF2B5EF4-FFF2-40B4-BE49-F238E27FC236}">
-                <a16:creationId xmlns:a16="http://schemas.microsoft.com/office/drawing/2014/main" id="{829E1C2B-139C-147A-C426-69431B764E29}"/>
+                <a16:creationId xmlns:a16="http://schemas.microsoft.com/office/drawing/2014/main" id="{E23E1E3A-309D-85DA-48DB-441BE9199B5A}"/>
               </a:ext>
             </a:extLst>
           </p:cNvPr>
@@ -990,7 +990,7 @@
           <p:cNvPr id="3" name="文本占位符 2">
             <a:extLst>
               <a:ext uri="{FF2B5EF4-FFF2-40B4-BE49-F238E27FC236}">
-                <a16:creationId xmlns:a16="http://schemas.microsoft.com/office/drawing/2014/main" id="{FB89E724-93F3-3D06-0806-B7DFC9E0C98A}"/>
+                <a16:creationId xmlns:a16="http://schemas.microsoft.com/office/drawing/2014/main" id="{6F9FBE90-3770-01FF-EE7B-806F9C9C778B}"/>
               </a:ext>
             </a:extLst>
           </p:cNvPr>
@@ -1115,7 +1115,7 @@
           <p:cNvPr id="4" name="日期占位符 3">
             <a:extLst>
               <a:ext uri="{FF2B5EF4-FFF2-40B4-BE49-F238E27FC236}">
-                <a16:creationId xmlns:a16="http://schemas.microsoft.com/office/drawing/2014/main" id="{8F7AFCC2-BD80-95E4-7E72-ED10F0E2F013}"/>
+                <a16:creationId xmlns:a16="http://schemas.microsoft.com/office/drawing/2014/main" id="{12D40FD5-0B70-3A4F-BCB3-EF35441A5B9D}"/>
               </a:ext>
             </a:extLst>
           </p:cNvPr>
@@ -1131,7 +1131,7 @@
           <a:bodyPr/>
           <a:lstStyle/>
           <a:p>
-            <a:fld id="{5BE3207A-B554-48A3-A584-D37BDB3424F4}" type="datetimeFigureOut">
+            <a:fld id="{755C99C4-7BF2-41DA-BAEF-EA8BF34FCD88}" type="datetimeFigureOut">
               <a:rPr lang="zh-CN" altLang="en-US" smtClean="0"/>
               <a:t>2024/3/10</a:t>
             </a:fld>
@@ -1144,7 +1144,7 @@
           <p:cNvPr id="5" name="页脚占位符 4">
             <a:extLst>
               <a:ext uri="{FF2B5EF4-FFF2-40B4-BE49-F238E27FC236}">
-                <a16:creationId xmlns:a16="http://schemas.microsoft.com/office/drawing/2014/main" id="{CD6CA9E9-84C6-5A10-24F9-950786035E33}"/>
+                <a16:creationId xmlns:a16="http://schemas.microsoft.com/office/drawing/2014/main" id="{3FC26F46-3861-CDED-8695-1876349C1AFA}"/>
               </a:ext>
             </a:extLst>
           </p:cNvPr>
@@ -1169,7 +1169,7 @@
           <p:cNvPr id="6" name="灯片编号占位符 5">
             <a:extLst>
               <a:ext uri="{FF2B5EF4-FFF2-40B4-BE49-F238E27FC236}">
-                <a16:creationId xmlns:a16="http://schemas.microsoft.com/office/drawing/2014/main" id="{8CA387F7-CF42-A700-7707-0831ED53EFA4}"/>
+                <a16:creationId xmlns:a16="http://schemas.microsoft.com/office/drawing/2014/main" id="{91F10BDA-E952-32AD-B78A-235CD9C2C7B8}"/>
               </a:ext>
             </a:extLst>
           </p:cNvPr>
@@ -1185,7 +1185,7 @@
           <a:bodyPr/>
           <a:lstStyle/>
           <a:p>
-            <a:fld id="{E2673555-6E99-49EA-8F09-51E06D0D38BC}" type="slidenum">
+            <a:fld id="{46E74B32-2CB2-4B9A-B6C7-80A885BDA91F}" type="slidenum">
               <a:rPr lang="zh-CN" altLang="en-US" smtClean="0"/>
               <a:t>‹#›</a:t>
             </a:fld>
@@ -1196,7 +1196,7 @@
     </p:spTree>
     <p:extLst>
       <p:ext uri="{BB962C8B-B14F-4D97-AF65-F5344CB8AC3E}">
-        <p14:creationId xmlns:p14="http://schemas.microsoft.com/office/powerpoint/2010/main" val="2366854973"/>
+        <p14:creationId xmlns:p14="http://schemas.microsoft.com/office/powerpoint/2010/main" val="1152015502"/>
       </p:ext>
     </p:extLst>
   </p:cSld>
@@ -1228,7 +1228,7 @@
           <p:cNvPr id="2" name="标题 1">
             <a:extLst>
               <a:ext uri="{FF2B5EF4-FFF2-40B4-BE49-F238E27FC236}">
-                <a16:creationId xmlns:a16="http://schemas.microsoft.com/office/drawing/2014/main" id="{CC7222A4-8A9D-2680-412F-1A608547F75B}"/>
+                <a16:creationId xmlns:a16="http://schemas.microsoft.com/office/drawing/2014/main" id="{68FD7B0E-FA14-AE7D-8E58-E6C3795BC573}"/>
               </a:ext>
             </a:extLst>
           </p:cNvPr>
@@ -1256,7 +1256,7 @@
           <p:cNvPr id="3" name="内容占位符 2">
             <a:extLst>
               <a:ext uri="{FF2B5EF4-FFF2-40B4-BE49-F238E27FC236}">
-                <a16:creationId xmlns:a16="http://schemas.microsoft.com/office/drawing/2014/main" id="{98D14450-749F-4B72-BECC-3495D73937E8}"/>
+                <a16:creationId xmlns:a16="http://schemas.microsoft.com/office/drawing/2014/main" id="{C5CB0AB0-2AE0-6FCC-2792-8D3571035199}"/>
               </a:ext>
             </a:extLst>
           </p:cNvPr>
@@ -1318,7 +1318,7 @@
           <p:cNvPr id="4" name="内容占位符 3">
             <a:extLst>
               <a:ext uri="{FF2B5EF4-FFF2-40B4-BE49-F238E27FC236}">
-                <a16:creationId xmlns:a16="http://schemas.microsoft.com/office/drawing/2014/main" id="{A278342D-B409-E226-0D79-8DB943349347}"/>
+                <a16:creationId xmlns:a16="http://schemas.microsoft.com/office/drawing/2014/main" id="{87147ED1-8F57-0C58-F920-38D82335767E}"/>
               </a:ext>
             </a:extLst>
           </p:cNvPr>
@@ -1380,7 +1380,7 @@
           <p:cNvPr id="5" name="日期占位符 4">
             <a:extLst>
               <a:ext uri="{FF2B5EF4-FFF2-40B4-BE49-F238E27FC236}">
-                <a16:creationId xmlns:a16="http://schemas.microsoft.com/office/drawing/2014/main" id="{B55F37B9-7FC5-4F7E-014E-687587EC04E9}"/>
+                <a16:creationId xmlns:a16="http://schemas.microsoft.com/office/drawing/2014/main" id="{5E55C725-01B7-8250-320D-1E19092EA1F3}"/>
               </a:ext>
             </a:extLst>
           </p:cNvPr>
@@ -1396,7 +1396,7 @@
           <a:bodyPr/>
           <a:lstStyle/>
           <a:p>
-            <a:fld id="{5BE3207A-B554-48A3-A584-D37BDB3424F4}" type="datetimeFigureOut">
+            <a:fld id="{755C99C4-7BF2-41DA-BAEF-EA8BF34FCD88}" type="datetimeFigureOut">
               <a:rPr lang="zh-CN" altLang="en-US" smtClean="0"/>
               <a:t>2024/3/10</a:t>
             </a:fld>
@@ -1409,7 +1409,7 @@
           <p:cNvPr id="6" name="页脚占位符 5">
             <a:extLst>
               <a:ext uri="{FF2B5EF4-FFF2-40B4-BE49-F238E27FC236}">
-                <a16:creationId xmlns:a16="http://schemas.microsoft.com/office/drawing/2014/main" id="{A5E7B5F8-4D1A-0EF8-11A2-189DE5567431}"/>
+                <a16:creationId xmlns:a16="http://schemas.microsoft.com/office/drawing/2014/main" id="{FF084543-30E1-DC43-CDA7-763DF297491F}"/>
               </a:ext>
             </a:extLst>
           </p:cNvPr>
@@ -1434,7 +1434,7 @@
           <p:cNvPr id="7" name="灯片编号占位符 6">
             <a:extLst>
               <a:ext uri="{FF2B5EF4-FFF2-40B4-BE49-F238E27FC236}">
-                <a16:creationId xmlns:a16="http://schemas.microsoft.com/office/drawing/2014/main" id="{E6AFC733-84D3-807A-2B32-49D75079E4D5}"/>
+                <a16:creationId xmlns:a16="http://schemas.microsoft.com/office/drawing/2014/main" id="{35385C18-8B25-79D5-C82D-2AA1CC8F054C}"/>
               </a:ext>
             </a:extLst>
           </p:cNvPr>
@@ -1450,7 +1450,7 @@
           <a:bodyPr/>
           <a:lstStyle/>
           <a:p>
-            <a:fld id="{E2673555-6E99-49EA-8F09-51E06D0D38BC}" type="slidenum">
+            <a:fld id="{46E74B32-2CB2-4B9A-B6C7-80A885BDA91F}" type="slidenum">
               <a:rPr lang="zh-CN" altLang="en-US" smtClean="0"/>
               <a:t>‹#›</a:t>
             </a:fld>
@@ -1461,7 +1461,7 @@
     </p:spTree>
     <p:extLst>
       <p:ext uri="{BB962C8B-B14F-4D97-AF65-F5344CB8AC3E}">
-        <p14:creationId xmlns:p14="http://schemas.microsoft.com/office/powerpoint/2010/main" val="3208118491"/>
+        <p14:creationId xmlns:p14="http://schemas.microsoft.com/office/powerpoint/2010/main" val="2514101412"/>
       </p:ext>
     </p:extLst>
   </p:cSld>
@@ -1493,7 +1493,7 @@
           <p:cNvPr id="2" name="标题 1">
             <a:extLst>
               <a:ext uri="{FF2B5EF4-FFF2-40B4-BE49-F238E27FC236}">
-                <a16:creationId xmlns:a16="http://schemas.microsoft.com/office/drawing/2014/main" id="{44910843-280E-A374-DAD0-A3544ECE78EE}"/>
+                <a16:creationId xmlns:a16="http://schemas.microsoft.com/office/drawing/2014/main" id="{2FA8636E-48F2-DDC0-01B7-AE91463ADA01}"/>
               </a:ext>
             </a:extLst>
           </p:cNvPr>
@@ -1526,7 +1526,7 @@
           <p:cNvPr id="3" name="文本占位符 2">
             <a:extLst>
               <a:ext uri="{FF2B5EF4-FFF2-40B4-BE49-F238E27FC236}">
-                <a16:creationId xmlns:a16="http://schemas.microsoft.com/office/drawing/2014/main" id="{E4564D84-7252-3E77-87D6-A6089B59C913}"/>
+                <a16:creationId xmlns:a16="http://schemas.microsoft.com/office/drawing/2014/main" id="{1B25A6AD-F749-281A-DF4F-CC43DC5A152A}"/>
               </a:ext>
             </a:extLst>
           </p:cNvPr>
@@ -1597,7 +1597,7 @@
           <p:cNvPr id="4" name="内容占位符 3">
             <a:extLst>
               <a:ext uri="{FF2B5EF4-FFF2-40B4-BE49-F238E27FC236}">
-                <a16:creationId xmlns:a16="http://schemas.microsoft.com/office/drawing/2014/main" id="{147BB3AE-678D-26B0-9F8D-78AF9EB6AB5C}"/>
+                <a16:creationId xmlns:a16="http://schemas.microsoft.com/office/drawing/2014/main" id="{D0F672AD-12FE-65B8-84D0-B382E66B76E5}"/>
               </a:ext>
             </a:extLst>
           </p:cNvPr>
@@ -1659,7 +1659,7 @@
           <p:cNvPr id="5" name="文本占位符 4">
             <a:extLst>
               <a:ext uri="{FF2B5EF4-FFF2-40B4-BE49-F238E27FC236}">
-                <a16:creationId xmlns:a16="http://schemas.microsoft.com/office/drawing/2014/main" id="{9548E782-DBC2-D10E-4268-34D70284989B}"/>
+                <a16:creationId xmlns:a16="http://schemas.microsoft.com/office/drawing/2014/main" id="{6182C979-E8CF-38B6-1B0C-2E7A7ADB02EB}"/>
               </a:ext>
             </a:extLst>
           </p:cNvPr>
@@ -1730,7 +1730,7 @@
           <p:cNvPr id="6" name="内容占位符 5">
             <a:extLst>
               <a:ext uri="{FF2B5EF4-FFF2-40B4-BE49-F238E27FC236}">
-                <a16:creationId xmlns:a16="http://schemas.microsoft.com/office/drawing/2014/main" id="{848DCE0F-D250-53D7-8C70-5F3C5FB34632}"/>
+                <a16:creationId xmlns:a16="http://schemas.microsoft.com/office/drawing/2014/main" id="{562E822C-97D1-8F91-01DD-86FB34954D04}"/>
               </a:ext>
             </a:extLst>
           </p:cNvPr>
@@ -1792,7 +1792,7 @@
           <p:cNvPr id="7" name="日期占位符 6">
             <a:extLst>
               <a:ext uri="{FF2B5EF4-FFF2-40B4-BE49-F238E27FC236}">
-                <a16:creationId xmlns:a16="http://schemas.microsoft.com/office/drawing/2014/main" id="{8FC143A9-099E-4C61-B59D-5BCB6FC1E8D2}"/>
+                <a16:creationId xmlns:a16="http://schemas.microsoft.com/office/drawing/2014/main" id="{3C1AD1EC-6463-3177-EBB1-E39CE0DE6CAE}"/>
               </a:ext>
             </a:extLst>
           </p:cNvPr>
@@ -1808,7 +1808,7 @@
           <a:bodyPr/>
           <a:lstStyle/>
           <a:p>
-            <a:fld id="{5BE3207A-B554-48A3-A584-D37BDB3424F4}" type="datetimeFigureOut">
+            <a:fld id="{755C99C4-7BF2-41DA-BAEF-EA8BF34FCD88}" type="datetimeFigureOut">
               <a:rPr lang="zh-CN" altLang="en-US" smtClean="0"/>
               <a:t>2024/3/10</a:t>
             </a:fld>
@@ -1821,7 +1821,7 @@
           <p:cNvPr id="8" name="页脚占位符 7">
             <a:extLst>
               <a:ext uri="{FF2B5EF4-FFF2-40B4-BE49-F238E27FC236}">
-                <a16:creationId xmlns:a16="http://schemas.microsoft.com/office/drawing/2014/main" id="{64FEBB8C-01AA-FF32-63A7-DB2DCC7319D0}"/>
+                <a16:creationId xmlns:a16="http://schemas.microsoft.com/office/drawing/2014/main" id="{7C229112-B018-889C-E276-365243CFDAA2}"/>
               </a:ext>
             </a:extLst>
           </p:cNvPr>
@@ -1846,7 +1846,7 @@
           <p:cNvPr id="9" name="灯片编号占位符 8">
             <a:extLst>
               <a:ext uri="{FF2B5EF4-FFF2-40B4-BE49-F238E27FC236}">
-                <a16:creationId xmlns:a16="http://schemas.microsoft.com/office/drawing/2014/main" id="{BC99C4E4-ED9D-9F1A-BE52-F8DBEBEBE82B}"/>
+                <a16:creationId xmlns:a16="http://schemas.microsoft.com/office/drawing/2014/main" id="{F7DB831D-22F3-8C50-E282-84872185CEDB}"/>
               </a:ext>
             </a:extLst>
           </p:cNvPr>
@@ -1862,7 +1862,7 @@
           <a:bodyPr/>
           <a:lstStyle/>
           <a:p>
-            <a:fld id="{E2673555-6E99-49EA-8F09-51E06D0D38BC}" type="slidenum">
+            <a:fld id="{46E74B32-2CB2-4B9A-B6C7-80A885BDA91F}" type="slidenum">
               <a:rPr lang="zh-CN" altLang="en-US" smtClean="0"/>
               <a:t>‹#›</a:t>
             </a:fld>
@@ -1873,7 +1873,7 @@
     </p:spTree>
     <p:extLst>
       <p:ext uri="{BB962C8B-B14F-4D97-AF65-F5344CB8AC3E}">
-        <p14:creationId xmlns:p14="http://schemas.microsoft.com/office/powerpoint/2010/main" val="238983810"/>
+        <p14:creationId xmlns:p14="http://schemas.microsoft.com/office/powerpoint/2010/main" val="1201339588"/>
       </p:ext>
     </p:extLst>
   </p:cSld>
@@ -1905,7 +1905,7 @@
           <p:cNvPr id="2" name="标题 1">
             <a:extLst>
               <a:ext uri="{FF2B5EF4-FFF2-40B4-BE49-F238E27FC236}">
-                <a16:creationId xmlns:a16="http://schemas.microsoft.com/office/drawing/2014/main" id="{64D0B8FA-527E-3CFC-F25D-446E0A5C2AE0}"/>
+                <a16:creationId xmlns:a16="http://schemas.microsoft.com/office/drawing/2014/main" id="{38459623-91D1-1539-2C29-CCE415965891}"/>
               </a:ext>
             </a:extLst>
           </p:cNvPr>
@@ -1933,7 +1933,7 @@
           <p:cNvPr id="3" name="日期占位符 2">
             <a:extLst>
               <a:ext uri="{FF2B5EF4-FFF2-40B4-BE49-F238E27FC236}">
-                <a16:creationId xmlns:a16="http://schemas.microsoft.com/office/drawing/2014/main" id="{39482B4E-FA34-9FF1-D1F2-AC7428082CBA}"/>
+                <a16:creationId xmlns:a16="http://schemas.microsoft.com/office/drawing/2014/main" id="{231674AF-CD47-8E63-D09E-7CC0D92D48CC}"/>
               </a:ext>
             </a:extLst>
           </p:cNvPr>
@@ -1949,7 +1949,7 @@
           <a:bodyPr/>
           <a:lstStyle/>
           <a:p>
-            <a:fld id="{5BE3207A-B554-48A3-A584-D37BDB3424F4}" type="datetimeFigureOut">
+            <a:fld id="{755C99C4-7BF2-41DA-BAEF-EA8BF34FCD88}" type="datetimeFigureOut">
               <a:rPr lang="zh-CN" altLang="en-US" smtClean="0"/>
               <a:t>2024/3/10</a:t>
             </a:fld>
@@ -1962,7 +1962,7 @@
           <p:cNvPr id="4" name="页脚占位符 3">
             <a:extLst>
               <a:ext uri="{FF2B5EF4-FFF2-40B4-BE49-F238E27FC236}">
-                <a16:creationId xmlns:a16="http://schemas.microsoft.com/office/drawing/2014/main" id="{5D8180F9-FC74-F3B1-A76E-155AC5CC1384}"/>
+                <a16:creationId xmlns:a16="http://schemas.microsoft.com/office/drawing/2014/main" id="{D7BFFFBB-68FC-942D-838C-7EC27153AA77}"/>
               </a:ext>
             </a:extLst>
           </p:cNvPr>
@@ -1987,7 +1987,7 @@
           <p:cNvPr id="5" name="灯片编号占位符 4">
             <a:extLst>
               <a:ext uri="{FF2B5EF4-FFF2-40B4-BE49-F238E27FC236}">
-                <a16:creationId xmlns:a16="http://schemas.microsoft.com/office/drawing/2014/main" id="{1BE836F4-484C-F53E-FF45-F6517CCD555C}"/>
+                <a16:creationId xmlns:a16="http://schemas.microsoft.com/office/drawing/2014/main" id="{61391225-3944-C70B-2987-37CF6FE6B5E2}"/>
               </a:ext>
             </a:extLst>
           </p:cNvPr>
@@ -2003,7 +2003,7 @@
           <a:bodyPr/>
           <a:lstStyle/>
           <a:p>
-            <a:fld id="{E2673555-6E99-49EA-8F09-51E06D0D38BC}" type="slidenum">
+            <a:fld id="{46E74B32-2CB2-4B9A-B6C7-80A885BDA91F}" type="slidenum">
               <a:rPr lang="zh-CN" altLang="en-US" smtClean="0"/>
               <a:t>‹#›</a:t>
             </a:fld>
@@ -2014,7 +2014,7 @@
     </p:spTree>
     <p:extLst>
       <p:ext uri="{BB962C8B-B14F-4D97-AF65-F5344CB8AC3E}">
-        <p14:creationId xmlns:p14="http://schemas.microsoft.com/office/powerpoint/2010/main" val="786316591"/>
+        <p14:creationId xmlns:p14="http://schemas.microsoft.com/office/powerpoint/2010/main" val="4262210315"/>
       </p:ext>
     </p:extLst>
   </p:cSld>
@@ -2046,7 +2046,7 @@
           <p:cNvPr id="2" name="日期占位符 1">
             <a:extLst>
               <a:ext uri="{FF2B5EF4-FFF2-40B4-BE49-F238E27FC236}">
-                <a16:creationId xmlns:a16="http://schemas.microsoft.com/office/drawing/2014/main" id="{48D7BFA0-5C2A-2D74-B200-E0C7C131DB78}"/>
+                <a16:creationId xmlns:a16="http://schemas.microsoft.com/office/drawing/2014/main" id="{70672179-47C5-DB7A-89F8-FBCA517B2E9F}"/>
               </a:ext>
             </a:extLst>
           </p:cNvPr>
@@ -2062,7 +2062,7 @@
           <a:bodyPr/>
           <a:lstStyle/>
           <a:p>
-            <a:fld id="{5BE3207A-B554-48A3-A584-D37BDB3424F4}" type="datetimeFigureOut">
+            <a:fld id="{755C99C4-7BF2-41DA-BAEF-EA8BF34FCD88}" type="datetimeFigureOut">
               <a:rPr lang="zh-CN" altLang="en-US" smtClean="0"/>
               <a:t>2024/3/10</a:t>
             </a:fld>
@@ -2075,7 +2075,7 @@
           <p:cNvPr id="3" name="页脚占位符 2">
             <a:extLst>
               <a:ext uri="{FF2B5EF4-FFF2-40B4-BE49-F238E27FC236}">
-                <a16:creationId xmlns:a16="http://schemas.microsoft.com/office/drawing/2014/main" id="{3F5FED30-BEE9-9C50-197C-C6B231AE19A1}"/>
+                <a16:creationId xmlns:a16="http://schemas.microsoft.com/office/drawing/2014/main" id="{E6CFB083-927E-68D7-B848-7E67889A9D71}"/>
               </a:ext>
             </a:extLst>
           </p:cNvPr>
@@ -2100,7 +2100,7 @@
           <p:cNvPr id="4" name="灯片编号占位符 3">
             <a:extLst>
               <a:ext uri="{FF2B5EF4-FFF2-40B4-BE49-F238E27FC236}">
-                <a16:creationId xmlns:a16="http://schemas.microsoft.com/office/drawing/2014/main" id="{60A21A94-E52F-23C1-92E7-8F635177228E}"/>
+                <a16:creationId xmlns:a16="http://schemas.microsoft.com/office/drawing/2014/main" id="{BB426D01-B1F2-8B7E-D6EC-9D9012A87620}"/>
               </a:ext>
             </a:extLst>
           </p:cNvPr>
@@ -2116,7 +2116,7 @@
           <a:bodyPr/>
           <a:lstStyle/>
           <a:p>
-            <a:fld id="{E2673555-6E99-49EA-8F09-51E06D0D38BC}" type="slidenum">
+            <a:fld id="{46E74B32-2CB2-4B9A-B6C7-80A885BDA91F}" type="slidenum">
               <a:rPr lang="zh-CN" altLang="en-US" smtClean="0"/>
               <a:t>‹#›</a:t>
             </a:fld>
@@ -2127,7 +2127,7 @@
     </p:spTree>
     <p:extLst>
       <p:ext uri="{BB962C8B-B14F-4D97-AF65-F5344CB8AC3E}">
-        <p14:creationId xmlns:p14="http://schemas.microsoft.com/office/powerpoint/2010/main" val="1467423708"/>
+        <p14:creationId xmlns:p14="http://schemas.microsoft.com/office/powerpoint/2010/main" val="3671436581"/>
       </p:ext>
     </p:extLst>
   </p:cSld>
@@ -2159,7 +2159,7 @@
           <p:cNvPr id="2" name="标题 1">
             <a:extLst>
               <a:ext uri="{FF2B5EF4-FFF2-40B4-BE49-F238E27FC236}">
-                <a16:creationId xmlns:a16="http://schemas.microsoft.com/office/drawing/2014/main" id="{3A1A1079-31C2-793B-2D2C-4EED7AECC96E}"/>
+                <a16:creationId xmlns:a16="http://schemas.microsoft.com/office/drawing/2014/main" id="{42CF5775-15E2-D1ED-9F89-49D0CD47F2C4}"/>
               </a:ext>
             </a:extLst>
           </p:cNvPr>
@@ -2196,7 +2196,7 @@
           <p:cNvPr id="3" name="内容占位符 2">
             <a:extLst>
               <a:ext uri="{FF2B5EF4-FFF2-40B4-BE49-F238E27FC236}">
-                <a16:creationId xmlns:a16="http://schemas.microsoft.com/office/drawing/2014/main" id="{5A69F657-C3A8-20A5-795A-6DD01048ABAC}"/>
+                <a16:creationId xmlns:a16="http://schemas.microsoft.com/office/drawing/2014/main" id="{9D39620E-B6DD-802A-C0B9-E6546D1A7EF4}"/>
               </a:ext>
             </a:extLst>
           </p:cNvPr>
@@ -2286,7 +2286,7 @@
           <p:cNvPr id="4" name="文本占位符 3">
             <a:extLst>
               <a:ext uri="{FF2B5EF4-FFF2-40B4-BE49-F238E27FC236}">
-                <a16:creationId xmlns:a16="http://schemas.microsoft.com/office/drawing/2014/main" id="{A1FA44AB-A6E2-4214-F0A5-C7C560FD0BB9}"/>
+                <a16:creationId xmlns:a16="http://schemas.microsoft.com/office/drawing/2014/main" id="{FFBD71ED-D76E-B025-0322-B7D091E6FC5D}"/>
               </a:ext>
             </a:extLst>
           </p:cNvPr>
@@ -2357,7 +2357,7 @@
           <p:cNvPr id="5" name="日期占位符 4">
             <a:extLst>
               <a:ext uri="{FF2B5EF4-FFF2-40B4-BE49-F238E27FC236}">
-                <a16:creationId xmlns:a16="http://schemas.microsoft.com/office/drawing/2014/main" id="{952BCBDF-5C91-263C-3222-24687E5A7B4A}"/>
+                <a16:creationId xmlns:a16="http://schemas.microsoft.com/office/drawing/2014/main" id="{7A009E97-C835-497B-CABA-1DFB0084437E}"/>
               </a:ext>
             </a:extLst>
           </p:cNvPr>
@@ -2373,7 +2373,7 @@
           <a:bodyPr/>
           <a:lstStyle/>
           <a:p>
-            <a:fld id="{5BE3207A-B554-48A3-A584-D37BDB3424F4}" type="datetimeFigureOut">
+            <a:fld id="{755C99C4-7BF2-41DA-BAEF-EA8BF34FCD88}" type="datetimeFigureOut">
               <a:rPr lang="zh-CN" altLang="en-US" smtClean="0"/>
               <a:t>2024/3/10</a:t>
             </a:fld>
@@ -2386,7 +2386,7 @@
           <p:cNvPr id="6" name="页脚占位符 5">
             <a:extLst>
               <a:ext uri="{FF2B5EF4-FFF2-40B4-BE49-F238E27FC236}">
-                <a16:creationId xmlns:a16="http://schemas.microsoft.com/office/drawing/2014/main" id="{AE3103D6-EA66-ECEC-5985-5B014CF0C2B8}"/>
+                <a16:creationId xmlns:a16="http://schemas.microsoft.com/office/drawing/2014/main" id="{A5F02592-CB25-E13A-10E7-C37DE7A6BB17}"/>
               </a:ext>
             </a:extLst>
           </p:cNvPr>
@@ -2411,7 +2411,7 @@
           <p:cNvPr id="7" name="灯片编号占位符 6">
             <a:extLst>
               <a:ext uri="{FF2B5EF4-FFF2-40B4-BE49-F238E27FC236}">
-                <a16:creationId xmlns:a16="http://schemas.microsoft.com/office/drawing/2014/main" id="{671911A6-FAE4-F9F1-B7CA-7D9DCDA96849}"/>
+                <a16:creationId xmlns:a16="http://schemas.microsoft.com/office/drawing/2014/main" id="{EB66049E-ED99-8813-C55F-6B5750DA0EB8}"/>
               </a:ext>
             </a:extLst>
           </p:cNvPr>
@@ -2427,7 +2427,7 @@
           <a:bodyPr/>
           <a:lstStyle/>
           <a:p>
-            <a:fld id="{E2673555-6E99-49EA-8F09-51E06D0D38BC}" type="slidenum">
+            <a:fld id="{46E74B32-2CB2-4B9A-B6C7-80A885BDA91F}" type="slidenum">
               <a:rPr lang="zh-CN" altLang="en-US" smtClean="0"/>
               <a:t>‹#›</a:t>
             </a:fld>
@@ -2438,7 +2438,7 @@
     </p:spTree>
     <p:extLst>
       <p:ext uri="{BB962C8B-B14F-4D97-AF65-F5344CB8AC3E}">
-        <p14:creationId xmlns:p14="http://schemas.microsoft.com/office/powerpoint/2010/main" val="714450246"/>
+        <p14:creationId xmlns:p14="http://schemas.microsoft.com/office/powerpoint/2010/main" val="3873972449"/>
       </p:ext>
     </p:extLst>
   </p:cSld>
@@ -2470,7 +2470,7 @@
           <p:cNvPr id="2" name="标题 1">
             <a:extLst>
               <a:ext uri="{FF2B5EF4-FFF2-40B4-BE49-F238E27FC236}">
-                <a16:creationId xmlns:a16="http://schemas.microsoft.com/office/drawing/2014/main" id="{452D303E-1E90-9AE1-ACDB-D2C73295BD7E}"/>
+                <a16:creationId xmlns:a16="http://schemas.microsoft.com/office/drawing/2014/main" id="{5E6F3AA0-1860-8BAA-860A-81F24B31AE87}"/>
               </a:ext>
             </a:extLst>
           </p:cNvPr>
@@ -2507,7 +2507,7 @@
           <p:cNvPr id="3" name="图片占位符 2">
             <a:extLst>
               <a:ext uri="{FF2B5EF4-FFF2-40B4-BE49-F238E27FC236}">
-                <a16:creationId xmlns:a16="http://schemas.microsoft.com/office/drawing/2014/main" id="{CDB855D2-2336-769F-E84B-0ED40C25916F}"/>
+                <a16:creationId xmlns:a16="http://schemas.microsoft.com/office/drawing/2014/main" id="{8BD2AAB1-908D-EA82-31D4-1FA757A9C61A}"/>
               </a:ext>
             </a:extLst>
           </p:cNvPr>
@@ -2574,7 +2574,7 @@
           <p:cNvPr id="4" name="文本占位符 3">
             <a:extLst>
               <a:ext uri="{FF2B5EF4-FFF2-40B4-BE49-F238E27FC236}">
-                <a16:creationId xmlns:a16="http://schemas.microsoft.com/office/drawing/2014/main" id="{8AE20E44-E2A8-FB4E-D6BE-D2EA421CE68A}"/>
+                <a16:creationId xmlns:a16="http://schemas.microsoft.com/office/drawing/2014/main" id="{4CDB5CD3-999E-B279-A574-DAC4D7460065}"/>
               </a:ext>
             </a:extLst>
           </p:cNvPr>
@@ -2645,7 +2645,7 @@
           <p:cNvPr id="5" name="日期占位符 4">
             <a:extLst>
               <a:ext uri="{FF2B5EF4-FFF2-40B4-BE49-F238E27FC236}">
-                <a16:creationId xmlns:a16="http://schemas.microsoft.com/office/drawing/2014/main" id="{ACC5C764-3473-7CDA-B970-73CB1D86862D}"/>
+                <a16:creationId xmlns:a16="http://schemas.microsoft.com/office/drawing/2014/main" id="{54C3FC43-48AA-3068-8DE3-EF36EEF6F93C}"/>
               </a:ext>
             </a:extLst>
           </p:cNvPr>
@@ -2661,7 +2661,7 @@
           <a:bodyPr/>
           <a:lstStyle/>
           <a:p>
-            <a:fld id="{5BE3207A-B554-48A3-A584-D37BDB3424F4}" type="datetimeFigureOut">
+            <a:fld id="{755C99C4-7BF2-41DA-BAEF-EA8BF34FCD88}" type="datetimeFigureOut">
               <a:rPr lang="zh-CN" altLang="en-US" smtClean="0"/>
               <a:t>2024/3/10</a:t>
             </a:fld>
@@ -2674,7 +2674,7 @@
           <p:cNvPr id="6" name="页脚占位符 5">
             <a:extLst>
               <a:ext uri="{FF2B5EF4-FFF2-40B4-BE49-F238E27FC236}">
-                <a16:creationId xmlns:a16="http://schemas.microsoft.com/office/drawing/2014/main" id="{F0054975-3157-56A3-110E-25C20BCF57EB}"/>
+                <a16:creationId xmlns:a16="http://schemas.microsoft.com/office/drawing/2014/main" id="{03326C24-5645-F4DC-A882-13A390B1997A}"/>
               </a:ext>
             </a:extLst>
           </p:cNvPr>
@@ -2699,7 +2699,7 @@
           <p:cNvPr id="7" name="灯片编号占位符 6">
             <a:extLst>
               <a:ext uri="{FF2B5EF4-FFF2-40B4-BE49-F238E27FC236}">
-                <a16:creationId xmlns:a16="http://schemas.microsoft.com/office/drawing/2014/main" id="{58D2F6DC-D2CF-273C-7894-33F6A9774F08}"/>
+                <a16:creationId xmlns:a16="http://schemas.microsoft.com/office/drawing/2014/main" id="{96AE772F-170B-7F38-E2A9-D0835D28DC28}"/>
               </a:ext>
             </a:extLst>
           </p:cNvPr>
@@ -2715,7 +2715,7 @@
           <a:bodyPr/>
           <a:lstStyle/>
           <a:p>
-            <a:fld id="{E2673555-6E99-49EA-8F09-51E06D0D38BC}" type="slidenum">
+            <a:fld id="{46E74B32-2CB2-4B9A-B6C7-80A885BDA91F}" type="slidenum">
               <a:rPr lang="zh-CN" altLang="en-US" smtClean="0"/>
               <a:t>‹#›</a:t>
             </a:fld>
@@ -2726,7 +2726,7 @@
     </p:spTree>
     <p:extLst>
       <p:ext uri="{BB962C8B-B14F-4D97-AF65-F5344CB8AC3E}">
-        <p14:creationId xmlns:p14="http://schemas.microsoft.com/office/powerpoint/2010/main" val="680536032"/>
+        <p14:creationId xmlns:p14="http://schemas.microsoft.com/office/powerpoint/2010/main" val="1821331563"/>
       </p:ext>
     </p:extLst>
   </p:cSld>
@@ -2763,7 +2763,7 @@
           <p:cNvPr id="2" name="标题占位符 1">
             <a:extLst>
               <a:ext uri="{FF2B5EF4-FFF2-40B4-BE49-F238E27FC236}">
-                <a16:creationId xmlns:a16="http://schemas.microsoft.com/office/drawing/2014/main" id="{C0D41FFA-E539-27B3-2795-63C20F66D255}"/>
+                <a16:creationId xmlns:a16="http://schemas.microsoft.com/office/drawing/2014/main" id="{88732BC4-8927-65CB-C643-B25410EC279B}"/>
               </a:ext>
             </a:extLst>
           </p:cNvPr>
@@ -2801,7 +2801,7 @@
           <p:cNvPr id="3" name="文本占位符 2">
             <a:extLst>
               <a:ext uri="{FF2B5EF4-FFF2-40B4-BE49-F238E27FC236}">
-                <a16:creationId xmlns:a16="http://schemas.microsoft.com/office/drawing/2014/main" id="{76E85CE3-8F42-B58F-FF5B-7AA0CD9131DD}"/>
+                <a16:creationId xmlns:a16="http://schemas.microsoft.com/office/drawing/2014/main" id="{3D23CD33-1BBA-11AC-00D6-83AA8333E1F6}"/>
               </a:ext>
             </a:extLst>
           </p:cNvPr>
@@ -2868,7 +2868,7 @@
           <p:cNvPr id="4" name="日期占位符 3">
             <a:extLst>
               <a:ext uri="{FF2B5EF4-FFF2-40B4-BE49-F238E27FC236}">
-                <a16:creationId xmlns:a16="http://schemas.microsoft.com/office/drawing/2014/main" id="{9574043F-3861-B0A5-5D83-C200717FA6FE}"/>
+                <a16:creationId xmlns:a16="http://schemas.microsoft.com/office/drawing/2014/main" id="{342D66BA-0B97-2530-5E5C-C17CDA436F36}"/>
               </a:ext>
             </a:extLst>
           </p:cNvPr>
@@ -2902,7 +2902,7 @@
             </a:lvl1pPr>
           </a:lstStyle>
           <a:p>
-            <a:fld id="{5BE3207A-B554-48A3-A584-D37BDB3424F4}" type="datetimeFigureOut">
+            <a:fld id="{755C99C4-7BF2-41DA-BAEF-EA8BF34FCD88}" type="datetimeFigureOut">
               <a:rPr lang="zh-CN" altLang="en-US" smtClean="0"/>
               <a:t>2024/3/10</a:t>
             </a:fld>
@@ -2915,7 +2915,7 @@
           <p:cNvPr id="5" name="页脚占位符 4">
             <a:extLst>
               <a:ext uri="{FF2B5EF4-FFF2-40B4-BE49-F238E27FC236}">
-                <a16:creationId xmlns:a16="http://schemas.microsoft.com/office/drawing/2014/main" id="{E3624AD8-B860-256E-D214-3441D33E4C0B}"/>
+                <a16:creationId xmlns:a16="http://schemas.microsoft.com/office/drawing/2014/main" id="{A850A7E9-D6DD-76E9-3465-14A8E0EA3B46}"/>
               </a:ext>
             </a:extLst>
           </p:cNvPr>
@@ -2958,7 +2958,7 @@
           <p:cNvPr id="6" name="灯片编号占位符 5">
             <a:extLst>
               <a:ext uri="{FF2B5EF4-FFF2-40B4-BE49-F238E27FC236}">
-                <a16:creationId xmlns:a16="http://schemas.microsoft.com/office/drawing/2014/main" id="{261963EE-40E0-C811-09F3-B038E1B3C0A8}"/>
+                <a16:creationId xmlns:a16="http://schemas.microsoft.com/office/drawing/2014/main" id="{F0F44D66-248B-B92E-00BF-41A911E71884}"/>
               </a:ext>
             </a:extLst>
           </p:cNvPr>
@@ -2992,7 +2992,7 @@
             </a:lvl1pPr>
           </a:lstStyle>
           <a:p>
-            <a:fld id="{E2673555-6E99-49EA-8F09-51E06D0D38BC}" type="slidenum">
+            <a:fld id="{46E74B32-2CB2-4B9A-B6C7-80A885BDA91F}" type="slidenum">
               <a:rPr lang="zh-CN" altLang="en-US" smtClean="0"/>
               <a:t>‹#›</a:t>
             </a:fld>
@@ -3003,7 +3003,7 @@
     </p:spTree>
     <p:extLst>
       <p:ext uri="{BB962C8B-B14F-4D97-AF65-F5344CB8AC3E}">
-        <p14:creationId xmlns:p14="http://schemas.microsoft.com/office/powerpoint/2010/main" val="3836738943"/>
+        <p14:creationId xmlns:p14="http://schemas.microsoft.com/office/powerpoint/2010/main" val="2213387160"/>
       </p:ext>
     </p:extLst>
   </p:cSld>
@@ -3323,7 +3323,7 @@
       </p:grpSpPr>
       <p:pic>
         <p:nvPicPr>
-          <p:cNvPr id="879618" name="Picture 2" descr="858"/>
+          <p:cNvPr id="880642" name="Picture 2" descr="859"/>
           <p:cNvPicPr>
             <a:picLocks noChangeAspect="1" noChangeArrowheads="1"/>
           </p:cNvPicPr>
@@ -3344,8 +3344,8 @@
         </p:blipFill>
         <p:spPr bwMode="auto">
           <a:xfrm>
-            <a:off x="1524001" y="0"/>
-            <a:ext cx="9053513" cy="6789738"/>
+            <a:off x="1524000" y="0"/>
+            <a:ext cx="9144000" cy="6858000"/>
           </a:xfrm>
           <a:prstGeom prst="rect">
             <a:avLst/>
